--- a/eu/ProgrammingLessons/beginner/Loops.pptx
+++ b/eu/ProgrammingLessons/beginner/Loops.pptx
@@ -136,10 +136,6 @@
 </p:presentation>
 </file>
 
-<file path=ppt/revisionInfo.xml><?xml version="1.0" encoding="utf-8"?>
-<p1510:revInfo xmlns:a="http://schemas.openxmlformats.org/drawingml/2006/main" xmlns:r="http://schemas.openxmlformats.org/officeDocument/2006/relationships" xmlns:p1510="http://schemas.microsoft.com/office/powerpoint/2015/10/main"/>
-</file>
-
 <file path=ppt/handoutMasters/handoutMaster1.xml><?xml version="1.0" encoding="utf-8"?>
 <p:handoutMaster xmlns:a="http://schemas.openxmlformats.org/drawingml/2006/main" xmlns:r="http://schemas.openxmlformats.org/officeDocument/2006/relationships" xmlns:p="http://schemas.openxmlformats.org/presentationml/2006/main">
   <p:cSld>
@@ -222,7 +218,7 @@
           <a:p>
             <a:fld id="{F8D9B3D7-15CB-9343-AA49-EFB5A8F33F18}" type="datetimeFigureOut">
               <a:rPr lang="en-US" smtClean="0"/>
-              <a:t>6/28/2018</a:t>
+              <a:t>9/11/22</a:t>
             </a:fld>
             <a:endParaRPr lang="en-US" dirty="0"/>
           </a:p>
@@ -288,7 +284,7 @@
           <a:p>
             <a:fld id="{6ED9BD6B-3536-BC44-B54A-7079C6CEB9D9}" type="slidenum">
               <a:rPr lang="en-US" smtClean="0"/>
-              <a:t>‹Nº›</a:t>
+              <a:t>‹#›</a:t>
             </a:fld>
             <a:endParaRPr lang="en-US" dirty="0"/>
           </a:p>
@@ -388,7 +384,7 @@
           <a:p>
             <a:fld id="{FD3EFF1E-85A1-6640-AFB9-C38833E80A84}" type="datetimeFigureOut">
               <a:rPr lang="en-US" smtClean="0"/>
-              <a:t>6/28/2018</a:t>
+              <a:t>9/11/22</a:t>
             </a:fld>
             <a:endParaRPr lang="en-US" dirty="0"/>
           </a:p>
@@ -546,7 +542,7 @@
           <a:p>
             <a:fld id="{13967457-1E83-1040-AFF7-8D09C473DBD5}" type="slidenum">
               <a:rPr lang="en-US" smtClean="0"/>
-              <a:t>‹Nº›</a:t>
+              <a:t>‹#›</a:t>
             </a:fld>
             <a:endParaRPr lang="en-US" dirty="0"/>
           </a:p>
@@ -976,7 +972,7 @@
           <a:p>
             <a:fld id="{285EF27D-8752-DA47-8D7E-2F48280CEEBD}" type="datetime1">
               <a:rPr lang="en-US" smtClean="0"/>
-              <a:t>6/28/2018</a:t>
+              <a:t>9/11/22</a:t>
             </a:fld>
             <a:endParaRPr lang="en-US" dirty="0"/>
           </a:p>
@@ -1042,7 +1038,7 @@
           <a:p>
             <a:fld id="{4DBC7FC8-25FB-FC45-8177-2B991DA6778C}" type="slidenum">
               <a:rPr lang="en-US" smtClean="0"/>
-              <a:t>‹Nº›</a:t>
+              <a:t>‹#›</a:t>
             </a:fld>
             <a:endParaRPr lang="en-US" dirty="0"/>
           </a:p>
@@ -1194,7 +1190,7 @@
           <a:noFill/>
           <a:extLst>
             <a:ext uri="{909E8E84-426E-40dd-AFC4-6F175D3DCCD1}">
-              <a14:hiddenFill xmlns="" xmlns:a14="http://schemas.microsoft.com/office/drawing/2010/main">
+              <a14:hiddenFill xmlns:a14="http://schemas.microsoft.com/office/drawing/2010/main" xmlns="">
                 <a:solidFill>
                   <a:srgbClr val="FFFFFF"/>
                 </a:solidFill>
@@ -1522,7 +1518,7 @@
           <a:p>
             <a:fld id="{B60890B9-E024-BA42-9704-A64AD3034426}" type="datetime1">
               <a:rPr lang="en-US" smtClean="0"/>
-              <a:t>6/28/2018</a:t>
+              <a:t>9/11/22</a:t>
             </a:fld>
             <a:endParaRPr lang="en-US" dirty="0"/>
           </a:p>
@@ -1575,7 +1571,7 @@
           <a:p>
             <a:fld id="{4DBC7FC8-25FB-FC45-8177-2B991DA6778C}" type="slidenum">
               <a:rPr lang="en-US" smtClean="0"/>
-              <a:t>‹Nº›</a:t>
+              <a:t>‹#›</a:t>
             </a:fld>
             <a:endParaRPr lang="en-US" dirty="0"/>
           </a:p>
@@ -1711,7 +1707,7 @@
           <a:p>
             <a:fld id="{22A91C9D-C322-9642-A879-CBC9D9628B53}" type="datetime1">
               <a:rPr lang="en-US" smtClean="0"/>
-              <a:t>6/28/2018</a:t>
+              <a:t>9/11/22</a:t>
             </a:fld>
             <a:endParaRPr lang="en-US" dirty="0"/>
           </a:p>
@@ -1764,7 +1760,7 @@
           <a:p>
             <a:fld id="{4DBC7FC8-25FB-FC45-8177-2B991DA6778C}" type="slidenum">
               <a:rPr lang="en-US" smtClean="0"/>
-              <a:t>‹Nº›</a:t>
+              <a:t>‹#›</a:t>
             </a:fld>
             <a:endParaRPr lang="en-US" dirty="0"/>
           </a:p>
@@ -1912,7 +1908,7 @@
           <a:p>
             <a:fld id="{30FD59F4-988B-4F4A-8FAA-FF739FF4538A}" type="datetime1">
               <a:rPr lang="en-US" smtClean="0"/>
-              <a:t>6/28/2018</a:t>
+              <a:t>9/11/22</a:t>
             </a:fld>
             <a:endParaRPr lang="en-US" dirty="0"/>
           </a:p>
@@ -1957,7 +1953,7 @@
           <a:p>
             <a:fld id="{DE42E464-3EB8-43C8-8768-9E2AD4F497B7}" type="slidenum">
               <a:rPr lang="en-US" smtClean="0"/>
-              <a:t>‹Nº›</a:t>
+              <a:t>‹#›</a:t>
             </a:fld>
             <a:endParaRPr lang="en-US" dirty="0"/>
           </a:p>
@@ -2083,7 +2079,7 @@
           <a:p>
             <a:fld id="{4AA47985-A0DF-324F-8187-D0D4AD0F6BF2}" type="datetime1">
               <a:rPr lang="en-US" smtClean="0"/>
-              <a:t>6/28/2018</a:t>
+              <a:t>9/11/22</a:t>
             </a:fld>
             <a:endParaRPr lang="en-US" dirty="0"/>
           </a:p>
@@ -2128,7 +2124,7 @@
           <a:p>
             <a:fld id="{DE42E464-3EB8-43C8-8768-9E2AD4F497B7}" type="slidenum">
               <a:rPr lang="en-US" smtClean="0"/>
-              <a:t>‹Nº›</a:t>
+              <a:t>‹#›</a:t>
             </a:fld>
             <a:endParaRPr lang="en-US" dirty="0"/>
           </a:p>
@@ -2331,7 +2327,7 @@
           <a:p>
             <a:fld id="{035346D9-F88E-FF42-812F-74AA2C7E9C0D}" type="datetime1">
               <a:rPr lang="en-US" smtClean="0"/>
-              <a:t>6/28/2018</a:t>
+              <a:t>9/11/22</a:t>
             </a:fld>
             <a:endParaRPr lang="en-US" dirty="0"/>
           </a:p>
@@ -2376,7 +2372,7 @@
           <a:p>
             <a:fld id="{DE42E464-3EB8-43C8-8768-9E2AD4F497B7}" type="slidenum">
               <a:rPr lang="en-US" smtClean="0"/>
-              <a:t>‹Nº›</a:t>
+              <a:t>‹#›</a:t>
             </a:fld>
             <a:endParaRPr lang="en-US" dirty="0"/>
           </a:p>
@@ -2563,7 +2559,7 @@
           <a:p>
             <a:fld id="{94FF9039-61CF-4745-B2F8-D868E6208AB2}" type="datetime1">
               <a:rPr lang="en-US" smtClean="0"/>
-              <a:t>6/28/2018</a:t>
+              <a:t>9/11/22</a:t>
             </a:fld>
             <a:endParaRPr lang="en-US" dirty="0"/>
           </a:p>
@@ -2608,7 +2604,7 @@
           <a:p>
             <a:fld id="{DE42E464-3EB8-43C8-8768-9E2AD4F497B7}" type="slidenum">
               <a:rPr lang="en-US" smtClean="0"/>
-              <a:t>‹Nº›</a:t>
+              <a:t>‹#›</a:t>
             </a:fld>
             <a:endParaRPr lang="en-US" dirty="0"/>
           </a:p>
@@ -2930,7 +2926,7 @@
           <a:p>
             <a:fld id="{A401E130-BE25-AB42-9612-80B178AA6DD9}" type="datetime1">
               <a:rPr lang="en-US" smtClean="0"/>
-              <a:t>6/28/2018</a:t>
+              <a:t>9/11/22</a:t>
             </a:fld>
             <a:endParaRPr lang="en-US" dirty="0"/>
           </a:p>
@@ -2975,7 +2971,7 @@
           <a:p>
             <a:fld id="{DE42E464-3EB8-43C8-8768-9E2AD4F497B7}" type="slidenum">
               <a:rPr lang="en-US" smtClean="0"/>
-              <a:t>‹Nº›</a:t>
+              <a:t>‹#›</a:t>
             </a:fld>
             <a:endParaRPr lang="en-US" dirty="0"/>
           </a:p>
@@ -3050,7 +3046,7 @@
           <a:p>
             <a:fld id="{CD051783-2236-BE42-9499-8A2A1CC8E02A}" type="datetime1">
               <a:rPr lang="en-US" smtClean="0"/>
-              <a:t>6/28/2018</a:t>
+              <a:t>9/11/22</a:t>
             </a:fld>
             <a:endParaRPr lang="en-US" dirty="0"/>
           </a:p>
@@ -3095,7 +3091,7 @@
           <a:p>
             <a:fld id="{DE42E464-3EB8-43C8-8768-9E2AD4F497B7}" type="slidenum">
               <a:rPr lang="en-US" smtClean="0"/>
-              <a:t>‹Nº›</a:t>
+              <a:t>‹#›</a:t>
             </a:fld>
             <a:endParaRPr lang="en-US" dirty="0"/>
           </a:p>
@@ -3148,7 +3144,7 @@
           <a:p>
             <a:fld id="{ECC260FD-C0F5-6B4C-8DF5-6BFA3F60F43A}" type="datetime1">
               <a:rPr lang="en-US" smtClean="0"/>
-              <a:t>6/28/2018</a:t>
+              <a:t>9/11/22</a:t>
             </a:fld>
             <a:endParaRPr lang="en-US" dirty="0"/>
           </a:p>
@@ -3193,7 +3189,7 @@
           <a:p>
             <a:fld id="{DE42E464-3EB8-43C8-8768-9E2AD4F497B7}" type="slidenum">
               <a:rPr lang="en-US" smtClean="0"/>
-              <a:t>‹Nº›</a:t>
+              <a:t>‹#›</a:t>
             </a:fld>
             <a:endParaRPr lang="en-US" dirty="0"/>
           </a:p>
@@ -3426,7 +3422,7 @@
           <a:p>
             <a:fld id="{365B0ECF-EC10-7446-87A9-63B618D8242A}" type="datetime1">
               <a:rPr lang="en-US" smtClean="0"/>
-              <a:t>6/28/2018</a:t>
+              <a:t>9/11/22</a:t>
             </a:fld>
             <a:endParaRPr lang="en-US" dirty="0"/>
           </a:p>
@@ -3471,7 +3467,7 @@
           <a:p>
             <a:fld id="{DE42E464-3EB8-43C8-8768-9E2AD4F497B7}" type="slidenum">
               <a:rPr lang="en-US" smtClean="0"/>
-              <a:t>‹Nº›</a:t>
+              <a:t>‹#›</a:t>
             </a:fld>
             <a:endParaRPr lang="en-US" dirty="0"/>
           </a:p>
@@ -3608,7 +3604,7 @@
           <a:p>
             <a:fld id="{2F164C2F-CF2F-8D49-9730-279D575D6EF4}" type="datetime1">
               <a:rPr lang="en-US" smtClean="0"/>
-              <a:t>6/28/2018</a:t>
+              <a:t>9/11/22</a:t>
             </a:fld>
             <a:endParaRPr lang="en-US" dirty="0"/>
           </a:p>
@@ -3661,7 +3657,7 @@
           <a:p>
             <a:fld id="{4DBC7FC8-25FB-FC45-8177-2B991DA6778C}" type="slidenum">
               <a:rPr lang="en-US" smtClean="0"/>
-              <a:t>‹Nº›</a:t>
+              <a:t>‹#›</a:t>
             </a:fld>
             <a:endParaRPr lang="en-US" dirty="0"/>
           </a:p>
@@ -3874,7 +3870,7 @@
           <a:p>
             <a:fld id="{F6BEDEB7-093F-3145-914C-BFCD1032C9B5}" type="datetime1">
               <a:rPr lang="en-US" smtClean="0"/>
-              <a:t>6/28/2018</a:t>
+              <a:t>9/11/22</a:t>
             </a:fld>
             <a:endParaRPr lang="en-US" dirty="0"/>
           </a:p>
@@ -3919,7 +3915,7 @@
           <a:p>
             <a:fld id="{DE42E464-3EB8-43C8-8768-9E2AD4F497B7}" type="slidenum">
               <a:rPr lang="en-US" smtClean="0"/>
-              <a:t>‹Nº›</a:t>
+              <a:t>‹#›</a:t>
             </a:fld>
             <a:endParaRPr lang="en-US" dirty="0"/>
           </a:p>
@@ -4045,7 +4041,7 @@
           <a:p>
             <a:fld id="{7024651B-78BF-264C-99D5-7D13BA71184C}" type="datetime1">
               <a:rPr lang="en-US" smtClean="0"/>
-              <a:t>6/28/2018</a:t>
+              <a:t>9/11/22</a:t>
             </a:fld>
             <a:endParaRPr lang="en-US" dirty="0"/>
           </a:p>
@@ -4090,7 +4086,7 @@
           <a:p>
             <a:fld id="{DE42E464-3EB8-43C8-8768-9E2AD4F497B7}" type="slidenum">
               <a:rPr lang="en-US" smtClean="0"/>
-              <a:t>‹Nº›</a:t>
+              <a:t>‹#›</a:t>
             </a:fld>
             <a:endParaRPr lang="en-US" dirty="0"/>
           </a:p>
@@ -4226,7 +4222,7 @@
           <a:p>
             <a:fld id="{6C840F25-7E4A-9547-A239-7D2C39C8BA83}" type="datetime1">
               <a:rPr lang="en-US" smtClean="0"/>
-              <a:t>6/28/2018</a:t>
+              <a:t>9/11/22</a:t>
             </a:fld>
             <a:endParaRPr lang="en-US" dirty="0"/>
           </a:p>
@@ -4271,7 +4267,7 @@
           <a:p>
             <a:fld id="{DE42E464-3EB8-43C8-8768-9E2AD4F497B7}" type="slidenum">
               <a:rPr lang="en-US" smtClean="0"/>
-              <a:t>‹Nº›</a:t>
+              <a:t>‹#›</a:t>
             </a:fld>
             <a:endParaRPr lang="en-US" dirty="0"/>
           </a:p>
@@ -4483,7 +4479,7 @@
           <a:p>
             <a:fld id="{0C440D35-5944-1242-8AD2-54CB9F88DCD6}" type="datetime1">
               <a:rPr lang="en-US" smtClean="0"/>
-              <a:t>6/28/2018</a:t>
+              <a:t>9/11/22</a:t>
             </a:fld>
             <a:endParaRPr lang="en-US" dirty="0"/>
           </a:p>
@@ -4514,7 +4510,7 @@
           <a:p>
             <a:fld id="{4DBC7FC8-25FB-FC45-8177-2B991DA6778C}" type="slidenum">
               <a:rPr lang="en-US" smtClean="0"/>
-              <a:t>‹Nº›</a:t>
+              <a:t>‹#›</a:t>
             </a:fld>
             <a:endParaRPr lang="en-US" dirty="0"/>
           </a:p>
@@ -4786,7 +4782,7 @@
           <a:p>
             <a:fld id="{4ECE6BFD-AD9A-8F49-9177-DBC967179F4C}" type="datetime1">
               <a:rPr lang="en-US" smtClean="0"/>
-              <a:t>6/28/2018</a:t>
+              <a:t>9/11/22</a:t>
             </a:fld>
             <a:endParaRPr lang="en-US" dirty="0"/>
           </a:p>
@@ -4839,7 +4835,7 @@
           <a:p>
             <a:fld id="{4DBC7FC8-25FB-FC45-8177-2B991DA6778C}" type="slidenum">
               <a:rPr lang="en-US" smtClean="0"/>
-              <a:t>‹Nº›</a:t>
+              <a:t>‹#›</a:t>
             </a:fld>
             <a:endParaRPr lang="en-US" dirty="0"/>
           </a:p>
@@ -5240,7 +5236,7 @@
           <a:p>
             <a:fld id="{194C1C2A-38E9-D84B-9F49-E9BC372FC647}" type="datetime1">
               <a:rPr lang="en-US" smtClean="0"/>
-              <a:t>6/28/2018</a:t>
+              <a:t>9/11/22</a:t>
             </a:fld>
             <a:endParaRPr lang="en-US" dirty="0"/>
           </a:p>
@@ -5293,7 +5289,7 @@
           <a:p>
             <a:fld id="{4DBC7FC8-25FB-FC45-8177-2B991DA6778C}" type="slidenum">
               <a:rPr lang="en-US" smtClean="0"/>
-              <a:t>‹Nº›</a:t>
+              <a:t>‹#›</a:t>
             </a:fld>
             <a:endParaRPr lang="en-US" dirty="0"/>
           </a:p>
@@ -5368,7 +5364,7 @@
           <a:p>
             <a:fld id="{55658CD0-EB20-D248-A310-A97AFCAECA44}" type="datetime1">
               <a:rPr lang="en-US" smtClean="0"/>
-              <a:t>6/28/2018</a:t>
+              <a:t>9/11/22</a:t>
             </a:fld>
             <a:endParaRPr lang="en-US" dirty="0"/>
           </a:p>
@@ -5421,7 +5417,7 @@
           <a:p>
             <a:fld id="{4DBC7FC8-25FB-FC45-8177-2B991DA6778C}" type="slidenum">
               <a:rPr lang="en-US" smtClean="0"/>
-              <a:t>‹Nº›</a:t>
+              <a:t>‹#›</a:t>
             </a:fld>
             <a:endParaRPr lang="en-US" dirty="0"/>
           </a:p>
@@ -5474,7 +5470,7 @@
           <a:p>
             <a:fld id="{5BD46B12-2296-264F-AA90-88605EA6A220}" type="datetime1">
               <a:rPr lang="en-US" smtClean="0"/>
-              <a:t>6/28/2018</a:t>
+              <a:t>9/11/22</a:t>
             </a:fld>
             <a:endParaRPr lang="en-US" dirty="0"/>
           </a:p>
@@ -5527,7 +5523,7 @@
           <a:p>
             <a:fld id="{4DBC7FC8-25FB-FC45-8177-2B991DA6778C}" type="slidenum">
               <a:rPr lang="en-US" smtClean="0"/>
-              <a:t>‹Nº›</a:t>
+              <a:t>‹#›</a:t>
             </a:fld>
             <a:endParaRPr lang="en-US" dirty="0"/>
           </a:p>
@@ -5732,7 +5728,7 @@
           <a:p>
             <a:fld id="{D5C0B56A-5E28-A144-83AC-55A603D0136C}" type="datetime1">
               <a:rPr lang="en-US" smtClean="0"/>
-              <a:t>6/28/2018</a:t>
+              <a:t>9/11/22</a:t>
             </a:fld>
             <a:endParaRPr lang="en-US" dirty="0"/>
           </a:p>
@@ -5785,7 +5781,7 @@
           <a:p>
             <a:fld id="{4DBC7FC8-25FB-FC45-8177-2B991DA6778C}" type="slidenum">
               <a:rPr lang="en-US" smtClean="0"/>
-              <a:t>‹Nº›</a:t>
+              <a:t>‹#›</a:t>
             </a:fld>
             <a:endParaRPr lang="en-US" dirty="0"/>
           </a:p>
@@ -6040,7 +6036,7 @@
           <a:p>
             <a:fld id="{C38CAB88-2F47-224D-A2B6-8BABE3AD154C}" type="datetime1">
               <a:rPr lang="en-US" smtClean="0"/>
-              <a:t>6/28/2018</a:t>
+              <a:t>9/11/22</a:t>
             </a:fld>
             <a:endParaRPr lang="en-US" dirty="0"/>
           </a:p>
@@ -6101,7 +6097,7 @@
           <a:p>
             <a:fld id="{4DBC7FC8-25FB-FC45-8177-2B991DA6778C}" type="slidenum">
               <a:rPr lang="en-US" smtClean="0"/>
-              <a:t>‹Nº›</a:t>
+              <a:t>‹#›</a:t>
             </a:fld>
             <a:endParaRPr lang="en-US" dirty="0"/>
           </a:p>
@@ -6350,7 +6346,7 @@
           <a:p>
             <a:fld id="{127D35FA-12D4-364A-BDC9-22E311CBD480}" type="datetime1">
               <a:rPr lang="en-US" smtClean="0"/>
-              <a:t>6/28/2018</a:t>
+              <a:t>9/11/22</a:t>
             </a:fld>
             <a:endParaRPr lang="en-US" dirty="0"/>
           </a:p>
@@ -6419,7 +6415,7 @@
           <a:p>
             <a:fld id="{4DBC7FC8-25FB-FC45-8177-2B991DA6778C}" type="slidenum">
               <a:rPr lang="en-US" smtClean="0"/>
-              <a:t>‹Nº›</a:t>
+              <a:t>‹#›</a:t>
             </a:fld>
             <a:endParaRPr lang="en-US" dirty="0"/>
           </a:p>
@@ -7126,7 +7122,7 @@
           <a:p>
             <a:fld id="{F7EC531C-CBE1-1F45-BF7C-8B49A3846760}" type="datetime1">
               <a:rPr lang="en-US" smtClean="0"/>
-              <a:t>6/28/2018</a:t>
+              <a:t>9/11/22</a:t>
             </a:fld>
             <a:endParaRPr lang="en-US" dirty="0"/>
           </a:p>
@@ -7207,7 +7203,7 @@
           <a:p>
             <a:fld id="{DE42E464-3EB8-43C8-8768-9E2AD4F497B7}" type="slidenum">
               <a:rPr lang="en-US" smtClean="0"/>
-              <a:t>‹Nº›</a:t>
+              <a:t>‹#›</a:t>
             </a:fld>
             <a:endParaRPr lang="en-US" dirty="0"/>
           </a:p>
@@ -10425,75 +10421,6 @@
           </a:p>
           <a:p>
             <a:pPr lvl="1"/>
-            <a:r>
-              <a:rPr lang="en-US" dirty="0" err="1"/>
-              <a:t>Itzulpena</a:t>
-            </a:r>
-            <a:r>
-              <a:rPr lang="en-US" dirty="0"/>
-              <a:t> </a:t>
-            </a:r>
-            <a:r>
-              <a:rPr lang="en-US" dirty="0" err="1"/>
-              <a:t>Edurobotic-ek</a:t>
-            </a:r>
-            <a:r>
-              <a:rPr lang="en-US" dirty="0"/>
-              <a:t> </a:t>
-            </a:r>
-            <a:r>
-              <a:rPr lang="en-US" dirty="0" err="1"/>
-              <a:t>eginda</a:t>
-            </a:r>
-            <a:r>
-              <a:rPr lang="en-US" dirty="0"/>
-              <a:t>. </a:t>
-            </a:r>
-            <a:r>
-              <a:rPr lang="en-US" dirty="0">
-                <a:hlinkClick r:id="rId3"/>
-              </a:rPr>
-              <a:t>www.edurobotic.es</a:t>
-            </a:r>
-            <a:r>
-              <a:rPr lang="en-US" dirty="0"/>
-              <a:t> (</a:t>
-            </a:r>
-            <a:r>
-              <a:rPr lang="en-US" dirty="0" err="1"/>
-              <a:t>Anartz</a:t>
-            </a:r>
-            <a:r>
-              <a:rPr lang="en-US" dirty="0"/>
-              <a:t> San Juan </a:t>
-            </a:r>
-            <a:r>
-              <a:rPr lang="en-US" dirty="0" err="1"/>
-              <a:t>taldekideak</a:t>
-            </a:r>
-            <a:r>
-              <a:rPr lang="en-US" dirty="0"/>
-              <a:t> </a:t>
-            </a:r>
-            <a:r>
-              <a:rPr lang="en-US" dirty="0" err="1"/>
-              <a:t>hain</a:t>
-            </a:r>
-            <a:r>
-              <a:rPr lang="en-US" dirty="0"/>
-              <a:t> </a:t>
-            </a:r>
-            <a:r>
-              <a:rPr lang="en-US" dirty="0" err="1"/>
-              <a:t>zuzen</a:t>
-            </a:r>
-            <a:r>
-              <a:rPr lang="en-US" dirty="0"/>
-              <a:t>).</a:t>
-            </a:r>
-          </a:p>
-          <a:p>
-            <a:pPr lvl="1"/>
             <a:endParaRPr lang="en-US" dirty="0"/>
           </a:p>
         </p:txBody>
@@ -10799,7 +10726,7 @@
                   <a:srgbClr val="4374B7"/>
                 </a:solidFill>
                 <a:latin typeface="Helvetica Neue"/>
-                <a:hlinkClick r:id="rId4"/>
+                <a:hlinkClick r:id="rId3"/>
               </a:rPr>
               <a:t>Creative Commons Attribution-</a:t>
             </a:r>
@@ -10809,7 +10736,7 @@
                   <a:srgbClr val="4374B7"/>
                 </a:solidFill>
                 <a:latin typeface="Helvetica Neue"/>
-                <a:hlinkClick r:id="rId4"/>
+                <a:hlinkClick r:id="rId3"/>
               </a:rPr>
               <a:t>NonCommercial</a:t>
             </a:r>
@@ -10819,7 +10746,7 @@
                   <a:srgbClr val="4374B7"/>
                 </a:solidFill>
                 <a:latin typeface="Helvetica Neue"/>
-                <a:hlinkClick r:id="rId4"/>
+                <a:hlinkClick r:id="rId3"/>
               </a:rPr>
               <a:t>-</a:t>
             </a:r>
@@ -10829,7 +10756,7 @@
                   <a:srgbClr val="4374B7"/>
                 </a:solidFill>
                 <a:latin typeface="Helvetica Neue"/>
-                <a:hlinkClick r:id="rId4"/>
+                <a:hlinkClick r:id="rId3"/>
               </a:rPr>
               <a:t>ShareAlike</a:t>
             </a:r>
@@ -10839,7 +10766,7 @@
                   <a:srgbClr val="4374B7"/>
                 </a:solidFill>
                 <a:latin typeface="Helvetica Neue"/>
-                <a:hlinkClick r:id="rId4"/>
+                <a:hlinkClick r:id="rId3"/>
               </a:rPr>
               <a:t> 4.0 International License</a:t>
             </a:r>
@@ -10913,7 +10840,7 @@
       <p:pic>
         <p:nvPicPr>
           <p:cNvPr id="2050" name="Picture 2" descr="Creative Commons License">
-            <a:hlinkClick r:id="rId4"/>
+            <a:hlinkClick r:id="rId3"/>
           </p:cNvPr>
           <p:cNvPicPr>
             <a:picLocks noChangeAspect="1" noChangeArrowheads="1"/>
@@ -10921,7 +10848,7 @@
           <p:nvPr/>
         </p:nvPicPr>
         <p:blipFill>
-          <a:blip r:embed="rId5">
+          <a:blip r:embed="rId4">
             <a:extLst>
               <a:ext uri="{28A0092B-C50C-407E-A947-70E740481C1C}">
                 <a14:useLocalDpi xmlns:a14="http://schemas.microsoft.com/office/drawing/2010/main" val="0"/>
